--- a/DO500VT - Intro.pptx
+++ b/DO500VT - Intro.pptx
@@ -20679,7 +20679,7 @@
               <a:buChar char="●"/>
             </a:pPr>
             <a:r>
-              <a:rPr lang="en" sz="1600" b="1" dirty="0" err="1">
+              <a:rPr lang="en" sz="1600" b="1" dirty="0">
                 <a:solidFill>
                   <a:schemeClr val="dk1"/>
                 </a:solidFill>
@@ -20688,7 +20688,7 @@
                 <a:cs typeface="Overpass"/>
                 <a:sym typeface="Overpass"/>
               </a:rPr>
-              <a:t>GoogleMeet</a:t>
+              <a:t>Google Meet</a:t>
             </a:r>
             <a:r>
               <a:rPr lang="en" sz="1600" dirty="0">
